--- a/Slides/Lecture 5.pptx
+++ b/Slides/Lecture 5.pptx
@@ -3823,7 +3823,7 @@
                   <a:schemeClr val="accent1"/>
                 </a:solidFill>
               </a:rPr>
-              <a:t>Software Systems Engineering</a:t>
+              <a:t>Electrical and Computer Engineering (ECE)</a:t>
             </a:r>
           </a:p>
           <a:p>
@@ -3911,8 +3911,8 @@
           </a:p>
         </p:txBody>
       </p:sp>
-      <mc:AlternateContent xmlns:mc="http://schemas.openxmlformats.org/markup-compatibility/2006">
-        <mc:Choice xmlns:a14="http://schemas.microsoft.com/office/drawing/2010/main" Requires="a14">
+      <mc:AlternateContent xmlns:mc="http://schemas.openxmlformats.org/markup-compatibility/2006" xmlns:a14="http://schemas.microsoft.com/office/drawing/2010/main">
+        <mc:Choice Requires="a14">
           <p:sp>
             <p:nvSpPr>
               <p:cNvPr id="3" name="Content Placeholder 2">
@@ -4209,7 +4209,7 @@
             </p:txBody>
           </p:sp>
         </mc:Choice>
-        <mc:Fallback>
+        <mc:Fallback xmlns="">
           <p:sp>
             <p:nvSpPr>
               <p:cNvPr id="3" name="Content Placeholder 2">
@@ -4342,8 +4342,8 @@
           </a:p>
         </p:txBody>
       </p:sp>
-      <mc:AlternateContent xmlns:mc="http://schemas.openxmlformats.org/markup-compatibility/2006">
-        <mc:Choice xmlns:a14="http://schemas.microsoft.com/office/drawing/2010/main" Requires="a14">
+      <mc:AlternateContent xmlns:mc="http://schemas.openxmlformats.org/markup-compatibility/2006" xmlns:a14="http://schemas.microsoft.com/office/drawing/2010/main">
+        <mc:Choice Requires="a14">
           <p:sp>
             <p:nvSpPr>
               <p:cNvPr id="3" name="Content Placeholder 2">
@@ -4651,7 +4651,7 @@
             </p:txBody>
           </p:sp>
         </mc:Choice>
-        <mc:Fallback>
+        <mc:Fallback xmlns="">
           <p:sp>
             <p:nvSpPr>
               <p:cNvPr id="3" name="Content Placeholder 2">
@@ -9673,8 +9673,8 @@
           </a:p>
         </p:txBody>
       </p:sp>
-      <mc:AlternateContent xmlns:mc="http://schemas.openxmlformats.org/markup-compatibility/2006" xmlns:a14="http://schemas.microsoft.com/office/drawing/2010/main">
-        <mc:Choice Requires="a14">
+      <mc:AlternateContent xmlns:mc="http://schemas.openxmlformats.org/markup-compatibility/2006">
+        <mc:Choice xmlns:a14="http://schemas.microsoft.com/office/drawing/2010/main" Requires="a14">
           <p:sp>
             <p:nvSpPr>
               <p:cNvPr id="3" name="Content Placeholder 2">
@@ -9710,10 +9710,10 @@
                 <a14:m>
                   <m:oMath xmlns:m="http://schemas.openxmlformats.org/officeDocument/2006/math">
                     <m:r>
-                      <a:rPr lang="en-US" i="1">
-                        <a:latin typeface="Cambria Math" panose="02040503050406030204" pitchFamily="18" charset="0"/>
-                      </a:rPr>
-                      <m:t>𝑖</m:t>
+                      <a:rPr lang="en-US" b="0" i="1" smtClean="0">
+                        <a:latin typeface="Cambria Math" panose="02040503050406030204" pitchFamily="18" charset="0"/>
+                      </a:rPr>
+                      <m:t>𝑗</m:t>
                     </m:r>
                     <m:r>
                       <a:rPr lang="en-US" i="1">
@@ -9734,10 +9734,10 @@
                 <a14:m>
                   <m:oMath xmlns:m="http://schemas.openxmlformats.org/officeDocument/2006/math">
                     <m:r>
-                      <a:rPr lang="en-US" i="1">
-                        <a:latin typeface="Cambria Math" panose="02040503050406030204" pitchFamily="18" charset="0"/>
-                      </a:rPr>
-                      <m:t>𝑖</m:t>
+                      <a:rPr lang="en-US" b="0" i="1" smtClean="0">
+                        <a:latin typeface="Cambria Math" panose="02040503050406030204" pitchFamily="18" charset="0"/>
+                      </a:rPr>
+                      <m:t>𝑗</m:t>
                     </m:r>
                   </m:oMath>
                 </a14:m>
@@ -9787,7 +9787,7 @@
             </p:txBody>
           </p:sp>
         </mc:Choice>
-        <mc:Fallback xmlns="">
+        <mc:Fallback>
           <p:sp>
             <p:nvSpPr>
               <p:cNvPr id="3" name="Content Placeholder 2">
@@ -9827,8 +9827,8 @@
           </p:sp>
         </mc:Fallback>
       </mc:AlternateContent>
-      <mc:AlternateContent xmlns:mc="http://schemas.openxmlformats.org/markup-compatibility/2006" xmlns:a14="http://schemas.microsoft.com/office/drawing/2010/main">
-        <mc:Choice Requires="a14">
+      <mc:AlternateContent xmlns:mc="http://schemas.openxmlformats.org/markup-compatibility/2006">
+        <mc:Choice xmlns:a14="http://schemas.microsoft.com/office/drawing/2010/main" Requires="a14">
           <p:graphicFrame>
             <p:nvGraphicFramePr>
               <p:cNvPr id="4" name="Table 4">
@@ -9844,7 +9844,7 @@
               <p:nvPr>
                 <p:extLst>
                   <p:ext uri="{D42A27DB-BD31-4B8C-83A1-F6EECF244321}">
-                    <p14:modId xmlns:p14="http://schemas.microsoft.com/office/powerpoint/2010/main" val="1638432067"/>
+                    <p14:modId xmlns:p14="http://schemas.microsoft.com/office/powerpoint/2010/main" val="3499123344"/>
                   </p:ext>
                 </p:extLst>
               </p:nvPr>
@@ -10259,7 +10259,7 @@
                                   </a:solidFill>
                                   <a:latin typeface="Cambria Math" panose="02040503050406030204" pitchFamily="18" charset="0"/>
                                 </a:rPr>
-                                <m:t>𝑖</m:t>
+                                <m:t>𝑗</m:t>
                               </m:r>
                               <m:r>
                                 <a:rPr lang="en-US" b="0" i="1" smtClean="0">
@@ -10314,7 +10314,7 @@
                                   </a:solidFill>
                                   <a:latin typeface="Cambria Math" panose="02040503050406030204" pitchFamily="18" charset="0"/>
                                 </a:rPr>
-                                <m:t>𝑖</m:t>
+                                <m:t>𝑗</m:t>
                               </m:r>
                               <m:r>
                                 <a:rPr lang="en-US" b="0" i="1" smtClean="0">
@@ -10360,10 +10360,10 @@
                               </m:oMathParaPr>
                               <m:oMath xmlns:m="http://schemas.openxmlformats.org/officeDocument/2006/math">
                                 <m:r>
-                                  <a:rPr lang="en-US" i="1" smtClean="0">
+                                  <a:rPr lang="en-US" b="0" i="1" smtClean="0">
                                     <a:latin typeface="Cambria Math" panose="02040503050406030204" pitchFamily="18" charset="0"/>
                                   </a:rPr>
-                                  <m:t>𝑖</m:t>
+                                  <m:t>𝑗</m:t>
                                 </m:r>
                               </m:oMath>
                             </m:oMathPara>
@@ -10402,7 +10402,7 @@
                                   </a:solidFill>
                                   <a:latin typeface="Cambria Math" panose="02040503050406030204" pitchFamily="18" charset="0"/>
                                 </a:rPr>
-                                <m:t>𝑖</m:t>
+                                <m:t>𝑗</m:t>
                               </m:r>
                               <m:r>
                                 <a:rPr lang="en-US" b="0" i="1" smtClean="0">
@@ -10439,7 +10439,7 @@
             </a:graphic>
           </p:graphicFrame>
         </mc:Choice>
-        <mc:Fallback xmlns="">
+        <mc:Fallback>
           <p:graphicFrame>
             <p:nvGraphicFramePr>
               <p:cNvPr id="4" name="Table 4">
@@ -10455,7 +10455,7 @@
               <p:nvPr>
                 <p:extLst>
                   <p:ext uri="{D42A27DB-BD31-4B8C-83A1-F6EECF244321}">
-                    <p14:modId xmlns:p14="http://schemas.microsoft.com/office/powerpoint/2010/main" val="1638432067"/>
+                    <p14:modId xmlns:p14="http://schemas.microsoft.com/office/powerpoint/2010/main" val="3499123344"/>
                   </p:ext>
                 </p:extLst>
               </p:nvPr>
@@ -10943,8 +10943,8 @@
           </a:p>
         </p:txBody>
       </p:sp>
-      <mc:AlternateContent xmlns:mc="http://schemas.openxmlformats.org/markup-compatibility/2006" xmlns:a14="http://schemas.microsoft.com/office/drawing/2010/main">
-        <mc:Choice Requires="a14">
+      <mc:AlternateContent xmlns:mc="http://schemas.openxmlformats.org/markup-compatibility/2006">
+        <mc:Choice xmlns:a14="http://schemas.microsoft.com/office/drawing/2010/main" Requires="a14">
           <p:sp>
             <p:nvSpPr>
               <p:cNvPr id="3" name="Content Placeholder 2">
@@ -10964,7 +10964,7 @@
             <p:spPr/>
             <p:txBody>
               <a:bodyPr>
-                <a:normAutofit fontScale="85000" lnSpcReduction="20000"/>
+                <a:normAutofit fontScale="77500" lnSpcReduction="20000"/>
               </a:bodyPr>
               <a:lstStyle/>
               <a:p>
@@ -11010,7 +11010,7 @@
                           <a:rPr lang="en-US" b="0" i="1" smtClean="0">
                             <a:latin typeface="Cambria Math" panose="02040503050406030204" pitchFamily="18" charset="0"/>
                           </a:rPr>
-                          <m:t>𝑖</m:t>
+                          <m:t>𝑗</m:t>
                         </m:r>
                       </m:sub>
                     </m:sSub>
@@ -11031,10 +11031,10 @@
                 <a14:m>
                   <m:oMath xmlns:m="http://schemas.openxmlformats.org/officeDocument/2006/math">
                     <m:r>
-                      <a:rPr lang="en-US" i="1">
-                        <a:latin typeface="Cambria Math" panose="02040503050406030204" pitchFamily="18" charset="0"/>
-                      </a:rPr>
-                      <m:t>𝑖</m:t>
+                      <a:rPr lang="en-US" b="0" i="1" smtClean="0">
+                        <a:latin typeface="Cambria Math" panose="02040503050406030204" pitchFamily="18" charset="0"/>
+                      </a:rPr>
+                      <m:t>𝑗</m:t>
                     </m:r>
                   </m:oMath>
                 </a14:m>
@@ -11093,10 +11093,10 @@
                         </m:e>
                         <m:sub>
                           <m:r>
-                            <a:rPr lang="en-US" i="1">
+                            <a:rPr lang="en-US" b="0" i="1" smtClean="0">
                               <a:latin typeface="Cambria Math" panose="02040503050406030204" pitchFamily="18" charset="0"/>
                             </a:rPr>
-                            <m:t>𝑖</m:t>
+                            <m:t>𝑗</m:t>
                           </m:r>
                         </m:sub>
                       </m:sSub>
@@ -11152,7 +11152,7 @@
                               </a:solidFill>
                               <a:latin typeface="Cambria Math" panose="02040503050406030204" pitchFamily="18" charset="0"/>
                             </a:rPr>
-                            <m:t>𝑖</m:t>
+                            <m:t>𝑗</m:t>
                           </m:r>
                         </m:sup>
                         <m:e>
@@ -11335,10 +11335,10 @@
                             </m:e>
                             <m:sub>
                               <m:r>
-                                <a:rPr lang="en-US" i="1">
+                                <a:rPr lang="en-US" b="0" i="1" smtClean="0">
                                   <a:latin typeface="Cambria Math" panose="02040503050406030204" pitchFamily="18" charset="0"/>
                                 </a:rPr>
-                                <m:t>𝑖</m:t>
+                                <m:t>𝑗</m:t>
                               </m:r>
                             </m:sub>
                           </m:sSub>
@@ -11396,7 +11396,7 @@
                               <a:latin typeface="Cambria Math" panose="02040503050406030204" pitchFamily="18" charset="0"/>
                               <a:ea typeface="Cambria Math" panose="02040503050406030204" pitchFamily="18" charset="0"/>
                             </a:rPr>
-                            <m:t>𝑖</m:t>
+                            <m:t>𝑗</m:t>
                           </m:r>
                         </m:den>
                       </m:f>
@@ -11443,7 +11443,7 @@
                               <a:latin typeface="Cambria Math" panose="02040503050406030204" pitchFamily="18" charset="0"/>
                               <a:ea typeface="Cambria Math" panose="02040503050406030204" pitchFamily="18" charset="0"/>
                             </a:rPr>
-                            <m:t>𝑖</m:t>
+                            <m:t>𝑗</m:t>
                           </m:r>
                         </m:den>
                       </m:f>
@@ -11478,7 +11478,7 @@
                               <a:latin typeface="Cambria Math" panose="02040503050406030204" pitchFamily="18" charset="0"/>
                               <a:ea typeface="Cambria Math" panose="02040503050406030204" pitchFamily="18" charset="0"/>
                             </a:rPr>
-                            <m:t>𝑖</m:t>
+                            <m:t>𝑗</m:t>
                           </m:r>
                           <m:r>
                             <a:rPr lang="en-US" b="0" i="1" smtClean="0">
@@ -11535,7 +11535,7 @@
                               <a:latin typeface="Cambria Math" panose="02040503050406030204" pitchFamily="18" charset="0"/>
                               <a:ea typeface="Cambria Math" panose="02040503050406030204" pitchFamily="18" charset="0"/>
                             </a:rPr>
-                            <m:t>𝑖</m:t>
+                            <m:t>𝑗</m:t>
                           </m:r>
                         </m:den>
                       </m:f>
@@ -11557,7 +11557,7 @@
                           <a:latin typeface="Cambria Math" panose="02040503050406030204" pitchFamily="18" charset="0"/>
                           <a:ea typeface="Cambria Math" panose="02040503050406030204" pitchFamily="18" charset="0"/>
                         </a:rPr>
-                        <m:t>𝑖</m:t>
+                        <m:t>𝑗</m:t>
                       </m:r>
                       <m:r>
                         <a:rPr lang="en-US" b="0" i="1" smtClean="0">
@@ -11602,7 +11602,7 @@
                               <a:latin typeface="Cambria Math" panose="02040503050406030204" pitchFamily="18" charset="0"/>
                               <a:ea typeface="Cambria Math" panose="02040503050406030204" pitchFamily="18" charset="0"/>
                             </a:rPr>
-                            <m:t>𝑖</m:t>
+                            <m:t>𝑗</m:t>
                           </m:r>
                         </m:den>
                       </m:f>
@@ -11674,10 +11674,10 @@
                             </m:e>
                             <m:sub>
                               <m:r>
-                                <a:rPr lang="en-US" i="1">
+                                <a:rPr lang="en-US" b="0" i="1" smtClean="0">
                                   <a:latin typeface="Cambria Math" panose="02040503050406030204" pitchFamily="18" charset="0"/>
                                 </a:rPr>
-                                <m:t>𝑖</m:t>
+                                <m:t>𝑗</m:t>
                               </m:r>
                             </m:sub>
                           </m:sSub>
@@ -11711,7 +11711,7 @@
                               </a:solidFill>
                               <a:latin typeface="Cambria Math" panose="02040503050406030204" pitchFamily="18" charset="0"/>
                             </a:rPr>
-                            <m:t>𝑖</m:t>
+                            <m:t>𝑗</m:t>
                           </m:r>
                           <m:r>
                             <a:rPr lang="en-US" b="0" i="1" smtClean="0">
@@ -11763,7 +11763,7 @@
                               </a:solidFill>
                               <a:latin typeface="Cambria Math" panose="02040503050406030204" pitchFamily="18" charset="0"/>
                             </a:rPr>
-                            <m:t>𝑖</m:t>
+                            <m:t>𝑗</m:t>
                           </m:r>
                           <m:r>
                             <a:rPr lang="en-US" b="0" i="1" smtClean="0">
@@ -11783,7 +11783,7 @@
                               </a:solidFill>
                               <a:latin typeface="Cambria Math" panose="02040503050406030204" pitchFamily="18" charset="0"/>
                             </a:rPr>
-                            <m:t>𝑖</m:t>
+                            <m:t>𝑗</m:t>
                           </m:r>
                         </m:den>
                       </m:f>
@@ -11833,7 +11833,7 @@
             </p:txBody>
           </p:sp>
         </mc:Choice>
-        <mc:Fallback xmlns="">
+        <mc:Fallback>
           <p:sp>
             <p:nvSpPr>
               <p:cNvPr id="3" name="Content Placeholder 2">
@@ -11854,7 +11854,7 @@
               <a:blipFill>
                 <a:blip r:embed="rId2"/>
                 <a:stretch>
-                  <a:fillRect l="-928" t="-3221"/>
+                  <a:fillRect l="-754" t="-2661"/>
                 </a:stretch>
               </a:blipFill>
             </p:spPr>
@@ -11936,8 +11936,8 @@
           </a:p>
         </p:txBody>
       </p:sp>
-      <mc:AlternateContent xmlns:mc="http://schemas.openxmlformats.org/markup-compatibility/2006" xmlns:a14="http://schemas.microsoft.com/office/drawing/2010/main">
-        <mc:Choice Requires="a14">
+      <mc:AlternateContent xmlns:mc="http://schemas.openxmlformats.org/markup-compatibility/2006">
+        <mc:Choice xmlns:a14="http://schemas.microsoft.com/office/drawing/2010/main" Requires="a14">
           <p:sp>
             <p:nvSpPr>
               <p:cNvPr id="3" name="Content Placeholder 2">
@@ -12056,7 +12056,7 @@
                           <a:rPr lang="en-US" b="0" i="1" smtClean="0">
                             <a:latin typeface="Cambria Math" panose="02040503050406030204" pitchFamily="18" charset="0"/>
                           </a:rPr>
-                          <m:t>𝑖</m:t>
+                          <m:t>𝑗</m:t>
                         </m:r>
                         <m:r>
                           <a:rPr lang="en-US" b="0" i="1" smtClean="0">
@@ -12095,7 +12095,7 @@
                               <a:rPr lang="en-US" b="0" i="1" smtClean="0">
                                 <a:latin typeface="Cambria Math" panose="02040503050406030204" pitchFamily="18" charset="0"/>
                               </a:rPr>
-                              <m:t>𝑖</m:t>
+                              <m:t>𝑗</m:t>
                             </m:r>
                           </m:sub>
                         </m:sSub>
@@ -12210,7 +12210,7 @@
                             </a:solidFill>
                             <a:latin typeface="Cambria Math" panose="02040503050406030204" pitchFamily="18" charset="0"/>
                           </a:rPr>
-                          <m:t>𝑖</m:t>
+                          <m:t>𝑗</m:t>
                         </m:r>
                         <m:r>
                           <a:rPr lang="en-US" sz="2400" b="0" i="1" smtClean="0">
@@ -12267,7 +12267,7 @@
                                     </a:solidFill>
                                     <a:latin typeface="Cambria Math" panose="02040503050406030204" pitchFamily="18" charset="0"/>
                                   </a:rPr>
-                                  <m:t>𝑖</m:t>
+                                  <m:t>𝑗</m:t>
                                 </m:r>
                                 <m:r>
                                   <a:rPr lang="en-US" sz="2400" b="0" i="1" smtClean="0">
@@ -12319,7 +12319,7 @@
                                     </a:solidFill>
                                     <a:latin typeface="Cambria Math" panose="02040503050406030204" pitchFamily="18" charset="0"/>
                                   </a:rPr>
-                                  <m:t>𝑖</m:t>
+                                  <m:t>𝑗</m:t>
                                 </m:r>
                                 <m:r>
                                   <a:rPr lang="en-US" sz="2400" b="0" i="1" smtClean="0">
@@ -12339,7 +12339,7 @@
                                     </a:solidFill>
                                     <a:latin typeface="Cambria Math" panose="02040503050406030204" pitchFamily="18" charset="0"/>
                                   </a:rPr>
-                                  <m:t>𝑖</m:t>
+                                  <m:t>𝑗</m:t>
                                 </m:r>
                               </m:den>
                             </m:f>
@@ -12420,7 +12420,7 @@
                                     </a:solidFill>
                                     <a:latin typeface="Cambria Math" panose="02040503050406030204" pitchFamily="18" charset="0"/>
                                   </a:rPr>
-                                  <m:t>𝑖</m:t>
+                                  <m:t>𝑗</m:t>
                                 </m:r>
                                 <m:r>
                                   <a:rPr lang="en-US" sz="2400" b="0" i="1" smtClean="0">
@@ -12577,7 +12577,7 @@
                                 </a:solidFill>
                                 <a:latin typeface="Cambria Math" panose="02040503050406030204" pitchFamily="18" charset="0"/>
                               </a:rPr>
-                              <m:t>𝑖</m:t>
+                              <m:t>𝑗</m:t>
                             </m:r>
                             <m:r>
                               <a:rPr lang="en-US" sz="2400" b="0" i="1" dirty="0" smtClean="0">
@@ -12597,7 +12597,7 @@
                                 </a:solidFill>
                                 <a:latin typeface="Cambria Math" panose="02040503050406030204" pitchFamily="18" charset="0"/>
                               </a:rPr>
-                              <m:t>𝑖</m:t>
+                              <m:t>𝑗</m:t>
                             </m:r>
                           </m:den>
                         </m:f>
@@ -12946,7 +12946,7 @@
             </p:txBody>
           </p:sp>
         </mc:Choice>
-        <mc:Fallback xmlns="">
+        <mc:Fallback>
           <p:sp>
             <p:nvSpPr>
               <p:cNvPr id="3" name="Content Placeholder 2">
@@ -12967,7 +12967,7 @@
               <a:blipFill>
                 <a:blip r:embed="rId2"/>
                 <a:stretch>
-                  <a:fillRect l="-1217" t="-2661"/>
+                  <a:fillRect l="-1217" t="-2381"/>
                 </a:stretch>
               </a:blipFill>
             </p:spPr>
@@ -14103,8 +14103,8 @@
           </a:p>
         </p:txBody>
       </p:sp>
-      <mc:AlternateContent xmlns:mc="http://schemas.openxmlformats.org/markup-compatibility/2006">
-        <mc:Choice xmlns:a14="http://schemas.microsoft.com/office/drawing/2010/main" Requires="a14">
+      <mc:AlternateContent xmlns:mc="http://schemas.openxmlformats.org/markup-compatibility/2006" xmlns:a14="http://schemas.microsoft.com/office/drawing/2010/main">
+        <mc:Choice Requires="a14">
           <p:sp>
             <p:nvSpPr>
               <p:cNvPr id="3" name="Content Placeholder 2">
@@ -14414,7 +14414,7 @@
             </p:txBody>
           </p:sp>
         </mc:Choice>
-        <mc:Fallback>
+        <mc:Fallback xmlns="">
           <p:sp>
             <p:nvSpPr>
               <p:cNvPr id="3" name="Content Placeholder 2">
@@ -22880,8 +22880,8 @@
           </a:p>
         </p:txBody>
       </p:sp>
-      <mc:AlternateContent xmlns:mc="http://schemas.openxmlformats.org/markup-compatibility/2006">
-        <mc:Choice xmlns:a14="http://schemas.microsoft.com/office/drawing/2010/main" Requires="a14">
+      <mc:AlternateContent xmlns:mc="http://schemas.openxmlformats.org/markup-compatibility/2006" xmlns:a14="http://schemas.microsoft.com/office/drawing/2010/main">
+        <mc:Choice Requires="a14">
           <p:sp>
             <p:nvSpPr>
               <p:cNvPr id="3" name="Content Placeholder 2">
@@ -23112,7 +23112,7 @@
             </p:txBody>
           </p:sp>
         </mc:Choice>
-        <mc:Fallback>
+        <mc:Fallback xmlns="">
           <p:sp>
             <p:nvSpPr>
               <p:cNvPr id="3" name="Content Placeholder 2">
@@ -23215,8 +23215,8 @@
           </a:p>
         </p:txBody>
       </p:sp>
-      <mc:AlternateContent xmlns:mc="http://schemas.openxmlformats.org/markup-compatibility/2006">
-        <mc:Choice xmlns:a14="http://schemas.microsoft.com/office/drawing/2010/main" Requires="a14">
+      <mc:AlternateContent xmlns:mc="http://schemas.openxmlformats.org/markup-compatibility/2006" xmlns:a14="http://schemas.microsoft.com/office/drawing/2010/main">
+        <mc:Choice Requires="a14">
           <p:sp>
             <p:nvSpPr>
               <p:cNvPr id="3" name="Content Placeholder 2">
@@ -23466,7 +23466,7 @@
             </p:txBody>
           </p:sp>
         </mc:Choice>
-        <mc:Fallback>
+        <mc:Fallback xmlns="">
           <p:sp>
             <p:nvSpPr>
               <p:cNvPr id="3" name="Content Placeholder 2">
